--- a/Presentations/Scientific Steering Committee/Mantid Scientific Steering committee Feb 2013.pptx
+++ b/Presentations/Scientific Steering Committee/Mantid Scientific Steering committee Feb 2013.pptx
@@ -5,7 +5,7 @@
     <p:sldMasterId id="2147483660" r:id="rId1"/>
   </p:sldMasterIdLst>
   <p:notesMasterIdLst>
-    <p:notesMasterId r:id="rId10"/>
+    <p:notesMasterId r:id="rId16"/>
   </p:notesMasterIdLst>
   <p:sldIdLst>
     <p:sldId id="256" r:id="rId2"/>
@@ -16,6 +16,12 @@
     <p:sldId id="262" r:id="rId7"/>
     <p:sldId id="261" r:id="rId8"/>
     <p:sldId id="263" r:id="rId9"/>
+    <p:sldId id="265" r:id="rId10"/>
+    <p:sldId id="264" r:id="rId11"/>
+    <p:sldId id="266" r:id="rId12"/>
+    <p:sldId id="267" r:id="rId13"/>
+    <p:sldId id="268" r:id="rId14"/>
+    <p:sldId id="269" r:id="rId15"/>
   </p:sldIdLst>
   <p:sldSz cx="9144000" cy="6858000" type="screen4x3"/>
   <p:notesSz cx="6858000" cy="9144000"/>
@@ -551,6 +557,426 @@
 </p:notes>
 </file>
 
+<file path=ppt/notesSlides/notesSlide10.xml><?xml version="1.0" encoding="utf-8"?>
+<p:notes xmlns:a="http://schemas.openxmlformats.org/drawingml/2006/main" xmlns:r="http://schemas.openxmlformats.org/officeDocument/2006/relationships" xmlns:p="http://schemas.openxmlformats.org/presentationml/2006/main">
+  <p:cSld>
+    <p:spTree>
+      <p:nvGrpSpPr>
+        <p:cNvPr id="1" name=""/>
+        <p:cNvGrpSpPr/>
+        <p:nvPr/>
+      </p:nvGrpSpPr>
+      <p:grpSpPr>
+        <a:xfrm>
+          <a:off x="0" y="0"/>
+          <a:ext cx="0" cy="0"/>
+          <a:chOff x="0" y="0"/>
+          <a:chExt cx="0" cy="0"/>
+        </a:xfrm>
+      </p:grpSpPr>
+      <p:sp>
+        <p:nvSpPr>
+          <p:cNvPr id="2" name="Slide Image Placeholder 1"/>
+          <p:cNvSpPr>
+            <a:spLocks noGrp="1" noRot="1" noChangeAspect="1"/>
+          </p:cNvSpPr>
+          <p:nvPr>
+            <p:ph type="sldImg"/>
+          </p:nvPr>
+        </p:nvSpPr>
+        <p:spPr/>
+      </p:sp>
+      <p:sp>
+        <p:nvSpPr>
+          <p:cNvPr id="3" name="Notes Placeholder 2"/>
+          <p:cNvSpPr>
+            <a:spLocks noGrp="1"/>
+          </p:cNvSpPr>
+          <p:nvPr>
+            <p:ph type="body" idx="1"/>
+          </p:nvPr>
+        </p:nvSpPr>
+        <p:spPr/>
+        <p:txBody>
+          <a:bodyPr/>
+          <a:lstStyle/>
+          <a:p>
+            <a:endParaRPr lang="en-GB"/>
+          </a:p>
+        </p:txBody>
+      </p:sp>
+      <p:sp>
+        <p:nvSpPr>
+          <p:cNvPr id="4" name="Slide Number Placeholder 3"/>
+          <p:cNvSpPr>
+            <a:spLocks noGrp="1"/>
+          </p:cNvSpPr>
+          <p:nvPr>
+            <p:ph type="sldNum" sz="quarter" idx="10"/>
+          </p:nvPr>
+        </p:nvSpPr>
+        <p:spPr/>
+        <p:txBody>
+          <a:bodyPr/>
+          <a:lstStyle/>
+          <a:p>
+            <a:fld id="{911F0B79-B3CF-DC4F-BFA3-B56639002903}" type="slidenum">
+              <a:rPr lang="en-US" smtClean="0"/>
+              <a:t>10</a:t>
+            </a:fld>
+            <a:endParaRPr lang="en-US"/>
+          </a:p>
+        </p:txBody>
+      </p:sp>
+    </p:spTree>
+    <p:extLst>
+      <p:ext uri="{BB962C8B-B14F-4D97-AF65-F5344CB8AC3E}">
+        <p14:creationId xmlns:p14="http://schemas.microsoft.com/office/powerpoint/2010/main" val="3234054826"/>
+      </p:ext>
+    </p:extLst>
+  </p:cSld>
+  <p:clrMapOvr>
+    <a:masterClrMapping/>
+  </p:clrMapOvr>
+</p:notes>
+</file>
+
+<file path=ppt/notesSlides/notesSlide11.xml><?xml version="1.0" encoding="utf-8"?>
+<p:notes xmlns:a="http://schemas.openxmlformats.org/drawingml/2006/main" xmlns:r="http://schemas.openxmlformats.org/officeDocument/2006/relationships" xmlns:p="http://schemas.openxmlformats.org/presentationml/2006/main">
+  <p:cSld>
+    <p:spTree>
+      <p:nvGrpSpPr>
+        <p:cNvPr id="1" name=""/>
+        <p:cNvGrpSpPr/>
+        <p:nvPr/>
+      </p:nvGrpSpPr>
+      <p:grpSpPr>
+        <a:xfrm>
+          <a:off x="0" y="0"/>
+          <a:ext cx="0" cy="0"/>
+          <a:chOff x="0" y="0"/>
+          <a:chExt cx="0" cy="0"/>
+        </a:xfrm>
+      </p:grpSpPr>
+      <p:sp>
+        <p:nvSpPr>
+          <p:cNvPr id="2" name="Slide Image Placeholder 1"/>
+          <p:cNvSpPr>
+            <a:spLocks noGrp="1" noRot="1" noChangeAspect="1"/>
+          </p:cNvSpPr>
+          <p:nvPr>
+            <p:ph type="sldImg"/>
+          </p:nvPr>
+        </p:nvSpPr>
+        <p:spPr/>
+      </p:sp>
+      <p:sp>
+        <p:nvSpPr>
+          <p:cNvPr id="3" name="Notes Placeholder 2"/>
+          <p:cNvSpPr>
+            <a:spLocks noGrp="1"/>
+          </p:cNvSpPr>
+          <p:nvPr>
+            <p:ph type="body" idx="1"/>
+          </p:nvPr>
+        </p:nvSpPr>
+        <p:spPr/>
+        <p:txBody>
+          <a:bodyPr/>
+          <a:lstStyle/>
+          <a:p>
+            <a:endParaRPr lang="en-GB"/>
+          </a:p>
+        </p:txBody>
+      </p:sp>
+      <p:sp>
+        <p:nvSpPr>
+          <p:cNvPr id="4" name="Slide Number Placeholder 3"/>
+          <p:cNvSpPr>
+            <a:spLocks noGrp="1"/>
+          </p:cNvSpPr>
+          <p:nvPr>
+            <p:ph type="sldNum" sz="quarter" idx="10"/>
+          </p:nvPr>
+        </p:nvSpPr>
+        <p:spPr/>
+        <p:txBody>
+          <a:bodyPr/>
+          <a:lstStyle/>
+          <a:p>
+            <a:fld id="{911F0B79-B3CF-DC4F-BFA3-B56639002903}" type="slidenum">
+              <a:rPr lang="en-US" smtClean="0"/>
+              <a:t>11</a:t>
+            </a:fld>
+            <a:endParaRPr lang="en-US"/>
+          </a:p>
+        </p:txBody>
+      </p:sp>
+    </p:spTree>
+    <p:extLst>
+      <p:ext uri="{BB962C8B-B14F-4D97-AF65-F5344CB8AC3E}">
+        <p14:creationId xmlns:p14="http://schemas.microsoft.com/office/powerpoint/2010/main" val="3540318839"/>
+      </p:ext>
+    </p:extLst>
+  </p:cSld>
+  <p:clrMapOvr>
+    <a:masterClrMapping/>
+  </p:clrMapOvr>
+</p:notes>
+</file>
+
+<file path=ppt/notesSlides/notesSlide12.xml><?xml version="1.0" encoding="utf-8"?>
+<p:notes xmlns:a="http://schemas.openxmlformats.org/drawingml/2006/main" xmlns:r="http://schemas.openxmlformats.org/officeDocument/2006/relationships" xmlns:p="http://schemas.openxmlformats.org/presentationml/2006/main">
+  <p:cSld>
+    <p:spTree>
+      <p:nvGrpSpPr>
+        <p:cNvPr id="1" name=""/>
+        <p:cNvGrpSpPr/>
+        <p:nvPr/>
+      </p:nvGrpSpPr>
+      <p:grpSpPr>
+        <a:xfrm>
+          <a:off x="0" y="0"/>
+          <a:ext cx="0" cy="0"/>
+          <a:chOff x="0" y="0"/>
+          <a:chExt cx="0" cy="0"/>
+        </a:xfrm>
+      </p:grpSpPr>
+      <p:sp>
+        <p:nvSpPr>
+          <p:cNvPr id="2" name="Slide Image Placeholder 1"/>
+          <p:cNvSpPr>
+            <a:spLocks noGrp="1" noRot="1" noChangeAspect="1"/>
+          </p:cNvSpPr>
+          <p:nvPr>
+            <p:ph type="sldImg"/>
+          </p:nvPr>
+        </p:nvSpPr>
+        <p:spPr/>
+      </p:sp>
+      <p:sp>
+        <p:nvSpPr>
+          <p:cNvPr id="3" name="Notes Placeholder 2"/>
+          <p:cNvSpPr>
+            <a:spLocks noGrp="1"/>
+          </p:cNvSpPr>
+          <p:nvPr>
+            <p:ph type="body" idx="1"/>
+          </p:nvPr>
+        </p:nvSpPr>
+        <p:spPr/>
+        <p:txBody>
+          <a:bodyPr/>
+          <a:lstStyle/>
+          <a:p>
+            <a:endParaRPr lang="en-GB"/>
+          </a:p>
+        </p:txBody>
+      </p:sp>
+      <p:sp>
+        <p:nvSpPr>
+          <p:cNvPr id="4" name="Slide Number Placeholder 3"/>
+          <p:cNvSpPr>
+            <a:spLocks noGrp="1"/>
+          </p:cNvSpPr>
+          <p:nvPr>
+            <p:ph type="sldNum" sz="quarter" idx="10"/>
+          </p:nvPr>
+        </p:nvSpPr>
+        <p:spPr/>
+        <p:txBody>
+          <a:bodyPr/>
+          <a:lstStyle/>
+          <a:p>
+            <a:fld id="{911F0B79-B3CF-DC4F-BFA3-B56639002903}" type="slidenum">
+              <a:rPr lang="en-US" smtClean="0"/>
+              <a:t>12</a:t>
+            </a:fld>
+            <a:endParaRPr lang="en-US"/>
+          </a:p>
+        </p:txBody>
+      </p:sp>
+    </p:spTree>
+    <p:extLst>
+      <p:ext uri="{BB962C8B-B14F-4D97-AF65-F5344CB8AC3E}">
+        <p14:creationId xmlns:p14="http://schemas.microsoft.com/office/powerpoint/2010/main" val="3540318839"/>
+      </p:ext>
+    </p:extLst>
+  </p:cSld>
+  <p:clrMapOvr>
+    <a:masterClrMapping/>
+  </p:clrMapOvr>
+</p:notes>
+</file>
+
+<file path=ppt/notesSlides/notesSlide13.xml><?xml version="1.0" encoding="utf-8"?>
+<p:notes xmlns:a="http://schemas.openxmlformats.org/drawingml/2006/main" xmlns:r="http://schemas.openxmlformats.org/officeDocument/2006/relationships" xmlns:p="http://schemas.openxmlformats.org/presentationml/2006/main">
+  <p:cSld>
+    <p:spTree>
+      <p:nvGrpSpPr>
+        <p:cNvPr id="1" name=""/>
+        <p:cNvGrpSpPr/>
+        <p:nvPr/>
+      </p:nvGrpSpPr>
+      <p:grpSpPr>
+        <a:xfrm>
+          <a:off x="0" y="0"/>
+          <a:ext cx="0" cy="0"/>
+          <a:chOff x="0" y="0"/>
+          <a:chExt cx="0" cy="0"/>
+        </a:xfrm>
+      </p:grpSpPr>
+      <p:sp>
+        <p:nvSpPr>
+          <p:cNvPr id="2" name="Slide Image Placeholder 1"/>
+          <p:cNvSpPr>
+            <a:spLocks noGrp="1" noRot="1" noChangeAspect="1"/>
+          </p:cNvSpPr>
+          <p:nvPr>
+            <p:ph type="sldImg"/>
+          </p:nvPr>
+        </p:nvSpPr>
+        <p:spPr/>
+      </p:sp>
+      <p:sp>
+        <p:nvSpPr>
+          <p:cNvPr id="3" name="Notes Placeholder 2"/>
+          <p:cNvSpPr>
+            <a:spLocks noGrp="1"/>
+          </p:cNvSpPr>
+          <p:nvPr>
+            <p:ph type="body" idx="1"/>
+          </p:nvPr>
+        </p:nvSpPr>
+        <p:spPr/>
+        <p:txBody>
+          <a:bodyPr/>
+          <a:lstStyle/>
+          <a:p>
+            <a:endParaRPr lang="en-GB"/>
+          </a:p>
+        </p:txBody>
+      </p:sp>
+      <p:sp>
+        <p:nvSpPr>
+          <p:cNvPr id="4" name="Slide Number Placeholder 3"/>
+          <p:cNvSpPr>
+            <a:spLocks noGrp="1"/>
+          </p:cNvSpPr>
+          <p:nvPr>
+            <p:ph type="sldNum" sz="quarter" idx="10"/>
+          </p:nvPr>
+        </p:nvSpPr>
+        <p:spPr/>
+        <p:txBody>
+          <a:bodyPr/>
+          <a:lstStyle/>
+          <a:p>
+            <a:fld id="{911F0B79-B3CF-DC4F-BFA3-B56639002903}" type="slidenum">
+              <a:rPr lang="en-US" smtClean="0"/>
+              <a:t>13</a:t>
+            </a:fld>
+            <a:endParaRPr lang="en-US"/>
+          </a:p>
+        </p:txBody>
+      </p:sp>
+    </p:spTree>
+    <p:extLst>
+      <p:ext uri="{BB962C8B-B14F-4D97-AF65-F5344CB8AC3E}">
+        <p14:creationId xmlns:p14="http://schemas.microsoft.com/office/powerpoint/2010/main" val="3540318839"/>
+      </p:ext>
+    </p:extLst>
+  </p:cSld>
+  <p:clrMapOvr>
+    <a:masterClrMapping/>
+  </p:clrMapOvr>
+</p:notes>
+</file>
+
+<file path=ppt/notesSlides/notesSlide14.xml><?xml version="1.0" encoding="utf-8"?>
+<p:notes xmlns:a="http://schemas.openxmlformats.org/drawingml/2006/main" xmlns:r="http://schemas.openxmlformats.org/officeDocument/2006/relationships" xmlns:p="http://schemas.openxmlformats.org/presentationml/2006/main">
+  <p:cSld>
+    <p:spTree>
+      <p:nvGrpSpPr>
+        <p:cNvPr id="1" name=""/>
+        <p:cNvGrpSpPr/>
+        <p:nvPr/>
+      </p:nvGrpSpPr>
+      <p:grpSpPr>
+        <a:xfrm>
+          <a:off x="0" y="0"/>
+          <a:ext cx="0" cy="0"/>
+          <a:chOff x="0" y="0"/>
+          <a:chExt cx="0" cy="0"/>
+        </a:xfrm>
+      </p:grpSpPr>
+      <p:sp>
+        <p:nvSpPr>
+          <p:cNvPr id="2" name="Slide Image Placeholder 1"/>
+          <p:cNvSpPr>
+            <a:spLocks noGrp="1" noRot="1" noChangeAspect="1"/>
+          </p:cNvSpPr>
+          <p:nvPr>
+            <p:ph type="sldImg"/>
+          </p:nvPr>
+        </p:nvSpPr>
+        <p:spPr/>
+      </p:sp>
+      <p:sp>
+        <p:nvSpPr>
+          <p:cNvPr id="3" name="Notes Placeholder 2"/>
+          <p:cNvSpPr>
+            <a:spLocks noGrp="1"/>
+          </p:cNvSpPr>
+          <p:nvPr>
+            <p:ph type="body" idx="1"/>
+          </p:nvPr>
+        </p:nvSpPr>
+        <p:spPr/>
+        <p:txBody>
+          <a:bodyPr/>
+          <a:lstStyle/>
+          <a:p>
+            <a:endParaRPr lang="en-GB"/>
+          </a:p>
+        </p:txBody>
+      </p:sp>
+      <p:sp>
+        <p:nvSpPr>
+          <p:cNvPr id="4" name="Slide Number Placeholder 3"/>
+          <p:cNvSpPr>
+            <a:spLocks noGrp="1"/>
+          </p:cNvSpPr>
+          <p:nvPr>
+            <p:ph type="sldNum" sz="quarter" idx="10"/>
+          </p:nvPr>
+        </p:nvSpPr>
+        <p:spPr/>
+        <p:txBody>
+          <a:bodyPr/>
+          <a:lstStyle/>
+          <a:p>
+            <a:fld id="{911F0B79-B3CF-DC4F-BFA3-B56639002903}" type="slidenum">
+              <a:rPr lang="en-US" smtClean="0"/>
+              <a:t>14</a:t>
+            </a:fld>
+            <a:endParaRPr lang="en-US"/>
+          </a:p>
+        </p:txBody>
+      </p:sp>
+    </p:spTree>
+    <p:extLst>
+      <p:ext uri="{BB962C8B-B14F-4D97-AF65-F5344CB8AC3E}">
+        <p14:creationId xmlns:p14="http://schemas.microsoft.com/office/powerpoint/2010/main" val="3540318839"/>
+      </p:ext>
+    </p:extLst>
+  </p:cSld>
+  <p:clrMapOvr>
+    <a:masterClrMapping/>
+  </p:clrMapOvr>
+</p:notes>
+</file>
+
 <file path=ppt/notesSlides/notesSlide2.xml><?xml version="1.0" encoding="utf-8"?>
 <p:notes xmlns:a="http://schemas.openxmlformats.org/drawingml/2006/main" xmlns:r="http://schemas.openxmlformats.org/officeDocument/2006/relationships" xmlns:p="http://schemas.openxmlformats.org/presentationml/2006/main">
   <p:cSld>
@@ -1130,6 +1556,90 @@
     <p:extLst>
       <p:ext uri="{BB962C8B-B14F-4D97-AF65-F5344CB8AC3E}">
         <p14:creationId xmlns:p14="http://schemas.microsoft.com/office/powerpoint/2010/main" val="1073142574"/>
+      </p:ext>
+    </p:extLst>
+  </p:cSld>
+  <p:clrMapOvr>
+    <a:masterClrMapping/>
+  </p:clrMapOvr>
+</p:notes>
+</file>
+
+<file path=ppt/notesSlides/notesSlide9.xml><?xml version="1.0" encoding="utf-8"?>
+<p:notes xmlns:a="http://schemas.openxmlformats.org/drawingml/2006/main" xmlns:r="http://schemas.openxmlformats.org/officeDocument/2006/relationships" xmlns:p="http://schemas.openxmlformats.org/presentationml/2006/main">
+  <p:cSld>
+    <p:spTree>
+      <p:nvGrpSpPr>
+        <p:cNvPr id="1" name=""/>
+        <p:cNvGrpSpPr/>
+        <p:nvPr/>
+      </p:nvGrpSpPr>
+      <p:grpSpPr>
+        <a:xfrm>
+          <a:off x="0" y="0"/>
+          <a:ext cx="0" cy="0"/>
+          <a:chOff x="0" y="0"/>
+          <a:chExt cx="0" cy="0"/>
+        </a:xfrm>
+      </p:grpSpPr>
+      <p:sp>
+        <p:nvSpPr>
+          <p:cNvPr id="2" name="Slide Image Placeholder 1"/>
+          <p:cNvSpPr>
+            <a:spLocks noGrp="1" noRot="1" noChangeAspect="1"/>
+          </p:cNvSpPr>
+          <p:nvPr>
+            <p:ph type="sldImg"/>
+          </p:nvPr>
+        </p:nvSpPr>
+        <p:spPr/>
+      </p:sp>
+      <p:sp>
+        <p:nvSpPr>
+          <p:cNvPr id="3" name="Notes Placeholder 2"/>
+          <p:cNvSpPr>
+            <a:spLocks noGrp="1"/>
+          </p:cNvSpPr>
+          <p:nvPr>
+            <p:ph type="body" idx="1"/>
+          </p:nvPr>
+        </p:nvSpPr>
+        <p:spPr/>
+        <p:txBody>
+          <a:bodyPr/>
+          <a:lstStyle/>
+          <a:p>
+            <a:endParaRPr lang="en-GB"/>
+          </a:p>
+        </p:txBody>
+      </p:sp>
+      <p:sp>
+        <p:nvSpPr>
+          <p:cNvPr id="4" name="Slide Number Placeholder 3"/>
+          <p:cNvSpPr>
+            <a:spLocks noGrp="1"/>
+          </p:cNvSpPr>
+          <p:nvPr>
+            <p:ph type="sldNum" sz="quarter" idx="10"/>
+          </p:nvPr>
+        </p:nvSpPr>
+        <p:spPr/>
+        <p:txBody>
+          <a:bodyPr/>
+          <a:lstStyle/>
+          <a:p>
+            <a:fld id="{911F0B79-B3CF-DC4F-BFA3-B56639002903}" type="slidenum">
+              <a:rPr lang="en-US" smtClean="0"/>
+              <a:t>9</a:t>
+            </a:fld>
+            <a:endParaRPr lang="en-US"/>
+          </a:p>
+        </p:txBody>
+      </p:sp>
+    </p:spTree>
+    <p:extLst>
+      <p:ext uri="{BB962C8B-B14F-4D97-AF65-F5344CB8AC3E}">
+        <p14:creationId xmlns:p14="http://schemas.microsoft.com/office/powerpoint/2010/main" val="4160067452"/>
       </p:ext>
     </p:extLst>
   </p:cSld>
@@ -4009,7 +4519,7 @@
         </p:nvSpPr>
         <p:spPr>
           <a:xfrm>
-            <a:off x="2548403" y="2183017"/>
+            <a:off x="2673450" y="2183017"/>
             <a:ext cx="3625163" cy="767456"/>
           </a:xfrm>
         </p:spPr>
@@ -4017,19 +4527,12 @@
           <a:bodyPr/>
           <a:lstStyle/>
           <a:p>
-            <a:r>
-              <a:rPr lang="en-US" dirty="0" err="1" smtClean="0">
-                <a:latin typeface="Source Code Pro"/>
-                <a:cs typeface="Source Code Pro"/>
-              </a:rPr>
-              <a:t>Mantid</a:t>
-            </a:r>
             <a:r>
               <a:rPr lang="en-US" dirty="0" smtClean="0">
                 <a:latin typeface="Source Code Pro"/>
                 <a:cs typeface="Source Code Pro"/>
               </a:rPr>
-              <a:t> 2.4</a:t>
+              <a:t>Mantid 2.4</a:t>
             </a:r>
             <a:endParaRPr lang="en-US" dirty="0">
               <a:latin typeface="Source Code Pro"/>
@@ -4107,7 +4610,6 @@
               <a:rPr lang="en-GB" dirty="0"/>
               <a:t>.</a:t>
             </a:r>
-            <a:endParaRPr lang="en-GB" dirty="0"/>
           </a:p>
         </p:txBody>
       </p:sp>
@@ -4128,6 +4630,842 @@
       </p:par>
     </p:tnLst>
   </p:timing>
+</p:sld>
+</file>
+
+<file path=ppt/slides/slide10.xml><?xml version="1.0" encoding="utf-8"?>
+<p:sld xmlns:a="http://schemas.openxmlformats.org/drawingml/2006/main" xmlns:r="http://schemas.openxmlformats.org/officeDocument/2006/relationships" xmlns:p="http://schemas.openxmlformats.org/presentationml/2006/main">
+  <p:cSld>
+    <p:spTree>
+      <p:nvGrpSpPr>
+        <p:cNvPr id="1" name=""/>
+        <p:cNvGrpSpPr/>
+        <p:nvPr/>
+      </p:nvGrpSpPr>
+      <p:grpSpPr>
+        <a:xfrm>
+          <a:off x="0" y="0"/>
+          <a:ext cx="0" cy="0"/>
+          <a:chOff x="0" y="0"/>
+          <a:chExt cx="0" cy="0"/>
+        </a:xfrm>
+      </p:grpSpPr>
+      <p:sp>
+        <p:nvSpPr>
+          <p:cNvPr id="2" name="Title 1"/>
+          <p:cNvSpPr>
+            <a:spLocks noGrp="1"/>
+          </p:cNvSpPr>
+          <p:nvPr>
+            <p:ph type="title"/>
+          </p:nvPr>
+        </p:nvSpPr>
+        <p:spPr/>
+        <p:txBody>
+          <a:bodyPr/>
+          <a:lstStyle/>
+          <a:p>
+            <a:r>
+              <a:rPr lang="en-GB" dirty="0" smtClean="0"/>
+              <a:t>Development Areas</a:t>
+            </a:r>
+            <a:endParaRPr lang="en-GB" dirty="0"/>
+          </a:p>
+        </p:txBody>
+      </p:sp>
+      <p:sp>
+        <p:nvSpPr>
+          <p:cNvPr id="3" name="Content Placeholder 2"/>
+          <p:cNvSpPr>
+            <a:spLocks noGrp="1"/>
+          </p:cNvSpPr>
+          <p:nvPr>
+            <p:ph idx="1"/>
+          </p:nvPr>
+        </p:nvSpPr>
+        <p:spPr/>
+        <p:txBody>
+          <a:bodyPr/>
+          <a:lstStyle/>
+          <a:p>
+            <a:r>
+              <a:rPr lang="en-GB" dirty="0" smtClean="0"/>
+              <a:t>Timescale</a:t>
+            </a:r>
+          </a:p>
+          <a:p>
+            <a:pPr lvl="1"/>
+            <a:r>
+              <a:rPr lang="en-GB" dirty="0" smtClean="0"/>
+              <a:t>Short -&gt; Next release</a:t>
+            </a:r>
+          </a:p>
+          <a:p>
+            <a:pPr lvl="1"/>
+            <a:r>
+              <a:rPr lang="en-GB" dirty="0" smtClean="0"/>
+              <a:t>Medium -&gt; Next 12 months</a:t>
+            </a:r>
+          </a:p>
+          <a:p>
+            <a:pPr lvl="1"/>
+            <a:r>
+              <a:rPr lang="en-GB" dirty="0" smtClean="0"/>
+              <a:t>Long -&gt; Longer than a year</a:t>
+            </a:r>
+          </a:p>
+          <a:p>
+            <a:r>
+              <a:rPr lang="en-GB" dirty="0" smtClean="0"/>
+              <a:t>Headline items</a:t>
+            </a:r>
+          </a:p>
+          <a:p>
+            <a:r>
+              <a:rPr lang="en-GB" dirty="0" smtClean="0"/>
+              <a:t>Other support work continues</a:t>
+            </a:r>
+          </a:p>
+          <a:p>
+            <a:pPr lvl="1"/>
+            <a:r>
+              <a:rPr lang="en-GB" dirty="0" smtClean="0"/>
+              <a:t>Small developments</a:t>
+            </a:r>
+          </a:p>
+          <a:p>
+            <a:pPr lvl="1"/>
+            <a:r>
+              <a:rPr lang="en-GB" dirty="0" smtClean="0"/>
+              <a:t>Bug fixes</a:t>
+            </a:r>
+          </a:p>
+          <a:p>
+            <a:pPr lvl="1"/>
+            <a:endParaRPr lang="en-GB" dirty="0"/>
+          </a:p>
+        </p:txBody>
+      </p:sp>
+    </p:spTree>
+    <p:extLst>
+      <p:ext uri="{BB962C8B-B14F-4D97-AF65-F5344CB8AC3E}">
+        <p14:creationId xmlns:p14="http://schemas.microsoft.com/office/powerpoint/2010/main" val="462846452"/>
+      </p:ext>
+    </p:extLst>
+  </p:cSld>
+  <p:clrMapOvr>
+    <a:masterClrMapping/>
+  </p:clrMapOvr>
+</p:sld>
+</file>
+
+<file path=ppt/slides/slide11.xml><?xml version="1.0" encoding="utf-8"?>
+<p:sld xmlns:a="http://schemas.openxmlformats.org/drawingml/2006/main" xmlns:r="http://schemas.openxmlformats.org/officeDocument/2006/relationships" xmlns:p="http://schemas.openxmlformats.org/presentationml/2006/main">
+  <p:cSld>
+    <p:spTree>
+      <p:nvGrpSpPr>
+        <p:cNvPr id="1" name=""/>
+        <p:cNvGrpSpPr/>
+        <p:nvPr/>
+      </p:nvGrpSpPr>
+      <p:grpSpPr>
+        <a:xfrm>
+          <a:off x="0" y="0"/>
+          <a:ext cx="0" cy="0"/>
+          <a:chOff x="0" y="0"/>
+          <a:chExt cx="0" cy="0"/>
+        </a:xfrm>
+      </p:grpSpPr>
+      <p:sp>
+        <p:nvSpPr>
+          <p:cNvPr id="2" name="Title 1"/>
+          <p:cNvSpPr>
+            <a:spLocks noGrp="1"/>
+          </p:cNvSpPr>
+          <p:nvPr>
+            <p:ph type="title"/>
+          </p:nvPr>
+        </p:nvSpPr>
+        <p:spPr/>
+        <p:txBody>
+          <a:bodyPr/>
+          <a:lstStyle/>
+          <a:p>
+            <a:r>
+              <a:rPr lang="en-GB" dirty="0" smtClean="0"/>
+              <a:t>Short – Next Release</a:t>
+            </a:r>
+            <a:endParaRPr lang="en-GB" dirty="0"/>
+          </a:p>
+        </p:txBody>
+      </p:sp>
+      <p:sp>
+        <p:nvSpPr>
+          <p:cNvPr id="3" name="Content Placeholder 2"/>
+          <p:cNvSpPr>
+            <a:spLocks noGrp="1"/>
+          </p:cNvSpPr>
+          <p:nvPr>
+            <p:ph idx="1"/>
+          </p:nvPr>
+        </p:nvSpPr>
+        <p:spPr/>
+        <p:txBody>
+          <a:bodyPr/>
+          <a:lstStyle/>
+          <a:p>
+            <a:r>
+              <a:rPr lang="en-GB" dirty="0" smtClean="0"/>
+              <a:t>General</a:t>
+            </a:r>
+          </a:p>
+          <a:p>
+            <a:pPr lvl="1"/>
+            <a:r>
+              <a:rPr lang="en-GB" dirty="0" smtClean="0"/>
+              <a:t>Script </a:t>
+            </a:r>
+            <a:r>
+              <a:rPr lang="en-GB" dirty="0"/>
+              <a:t>Repository</a:t>
+            </a:r>
+          </a:p>
+          <a:p>
+            <a:pPr lvl="1"/>
+            <a:r>
+              <a:rPr lang="en-GB" dirty="0"/>
+              <a:t>Improved Documentation &amp; Search facilities</a:t>
+            </a:r>
+          </a:p>
+          <a:p>
+            <a:pPr lvl="1"/>
+            <a:r>
+              <a:rPr lang="en-GB" dirty="0"/>
+              <a:t>Curve Fitting - python curve fits, improvements to sequential, user training</a:t>
+            </a:r>
+          </a:p>
+          <a:p>
+            <a:pPr lvl="1"/>
+            <a:r>
+              <a:rPr lang="en-GB" dirty="0"/>
+              <a:t>ICAT4 </a:t>
+            </a:r>
+            <a:r>
+              <a:rPr lang="en-GB" dirty="0" smtClean="0"/>
+              <a:t>support</a:t>
+            </a:r>
+          </a:p>
+          <a:p>
+            <a:pPr lvl="1"/>
+            <a:r>
+              <a:rPr lang="en-GB" dirty="0" smtClean="0"/>
+              <a:t>Choppers</a:t>
+            </a:r>
+            <a:r>
+              <a:rPr lang="en-GB" dirty="0"/>
+              <a:t>, Guides </a:t>
+            </a:r>
+            <a:r>
+              <a:rPr lang="en-GB" dirty="0" err="1"/>
+              <a:t>etc</a:t>
+            </a:r>
+            <a:r>
+              <a:rPr lang="en-GB" dirty="0"/>
+              <a:t> in instrument </a:t>
+            </a:r>
+            <a:r>
+              <a:rPr lang="en-GB" dirty="0" smtClean="0"/>
+              <a:t>definitions</a:t>
+            </a:r>
+            <a:endParaRPr lang="en-GB" dirty="0"/>
+          </a:p>
+          <a:p>
+            <a:r>
+              <a:rPr lang="en-GB" dirty="0" smtClean="0"/>
+              <a:t>Diffraction</a:t>
+            </a:r>
+          </a:p>
+          <a:p>
+            <a:pPr lvl="1"/>
+            <a:r>
+              <a:rPr lang="en-GB" dirty="0" smtClean="0"/>
+              <a:t>More </a:t>
+            </a:r>
+            <a:r>
+              <a:rPr lang="en-GB" dirty="0"/>
+              <a:t>peak integration options &amp; visualization</a:t>
+            </a:r>
+          </a:p>
+          <a:p>
+            <a:pPr lvl="1"/>
+            <a:r>
+              <a:rPr lang="en-GB" dirty="0" smtClean="0"/>
+              <a:t>VATES GUI - </a:t>
+            </a:r>
+            <a:r>
+              <a:rPr lang="en-GB" dirty="0"/>
+              <a:t>axis labelling, non </a:t>
+            </a:r>
+            <a:r>
+              <a:rPr lang="en-GB" dirty="0" smtClean="0"/>
+              <a:t>orthogonal </a:t>
+            </a:r>
+            <a:r>
+              <a:rPr lang="en-GB" dirty="0"/>
+              <a:t>axes</a:t>
+            </a:r>
+          </a:p>
+          <a:p>
+            <a:r>
+              <a:rPr lang="en-GB" dirty="0" smtClean="0"/>
+              <a:t>Direct Inelastic</a:t>
+            </a:r>
+          </a:p>
+          <a:p>
+            <a:pPr lvl="1"/>
+            <a:r>
+              <a:rPr lang="en-GB" dirty="0" smtClean="0"/>
+              <a:t>Remove </a:t>
+            </a:r>
+            <a:r>
+              <a:rPr lang="en-GB" dirty="0"/>
+              <a:t>the need for raw files</a:t>
+            </a:r>
+          </a:p>
+          <a:p>
+            <a:pPr lvl="1"/>
+            <a:r>
+              <a:rPr lang="en-GB" dirty="0"/>
+              <a:t>Live event data reduction (SNS)- slices, continuous rotation</a:t>
+            </a:r>
+          </a:p>
+          <a:p>
+            <a:endParaRPr lang="en-GB" dirty="0"/>
+          </a:p>
+        </p:txBody>
+      </p:sp>
+    </p:spTree>
+    <p:extLst>
+      <p:ext uri="{BB962C8B-B14F-4D97-AF65-F5344CB8AC3E}">
+        <p14:creationId xmlns:p14="http://schemas.microsoft.com/office/powerpoint/2010/main" val="3083734959"/>
+      </p:ext>
+    </p:extLst>
+  </p:cSld>
+  <p:clrMapOvr>
+    <a:masterClrMapping/>
+  </p:clrMapOvr>
+</p:sld>
+</file>
+
+<file path=ppt/slides/slide12.xml><?xml version="1.0" encoding="utf-8"?>
+<p:sld xmlns:a="http://schemas.openxmlformats.org/drawingml/2006/main" xmlns:r="http://schemas.openxmlformats.org/officeDocument/2006/relationships" xmlns:p="http://schemas.openxmlformats.org/presentationml/2006/main">
+  <p:cSld>
+    <p:spTree>
+      <p:nvGrpSpPr>
+        <p:cNvPr id="1" name=""/>
+        <p:cNvGrpSpPr/>
+        <p:nvPr/>
+      </p:nvGrpSpPr>
+      <p:grpSpPr>
+        <a:xfrm>
+          <a:off x="0" y="0"/>
+          <a:ext cx="0" cy="0"/>
+          <a:chOff x="0" y="0"/>
+          <a:chExt cx="0" cy="0"/>
+        </a:xfrm>
+      </p:grpSpPr>
+      <p:sp>
+        <p:nvSpPr>
+          <p:cNvPr id="2" name="Title 1"/>
+          <p:cNvSpPr>
+            <a:spLocks noGrp="1"/>
+          </p:cNvSpPr>
+          <p:nvPr>
+            <p:ph type="title"/>
+          </p:nvPr>
+        </p:nvSpPr>
+        <p:spPr/>
+        <p:txBody>
+          <a:bodyPr/>
+          <a:lstStyle/>
+          <a:p>
+            <a:r>
+              <a:rPr lang="en-GB" dirty="0" smtClean="0"/>
+              <a:t>Medium – Next Year</a:t>
+            </a:r>
+            <a:endParaRPr lang="en-GB" dirty="0"/>
+          </a:p>
+        </p:txBody>
+      </p:sp>
+      <p:sp>
+        <p:nvSpPr>
+          <p:cNvPr id="3" name="Content Placeholder 2"/>
+          <p:cNvSpPr>
+            <a:spLocks noGrp="1"/>
+          </p:cNvSpPr>
+          <p:nvPr>
+            <p:ph idx="1"/>
+          </p:nvPr>
+        </p:nvSpPr>
+        <p:spPr/>
+        <p:txBody>
+          <a:bodyPr/>
+          <a:lstStyle/>
+          <a:p>
+            <a:r>
+              <a:rPr lang="en-GB" dirty="0" smtClean="0"/>
+              <a:t>General</a:t>
+            </a:r>
+          </a:p>
+          <a:p>
+            <a:pPr lvl="1"/>
+            <a:r>
+              <a:rPr lang="en-GB" dirty="0"/>
+              <a:t>Retire V1 of Python API</a:t>
+            </a:r>
+          </a:p>
+          <a:p>
+            <a:pPr lvl="1"/>
+            <a:r>
+              <a:rPr lang="en-GB" dirty="0"/>
+              <a:t>Offline help</a:t>
+            </a:r>
+          </a:p>
+          <a:p>
+            <a:pPr lvl="1"/>
+            <a:r>
+              <a:rPr lang="en-GB" dirty="0"/>
+              <a:t>Redesign of Masking</a:t>
+            </a:r>
+          </a:p>
+          <a:p>
+            <a:pPr lvl="1"/>
+            <a:r>
+              <a:rPr lang="en-GB" dirty="0"/>
+              <a:t>Reimplementation of </a:t>
+            </a:r>
+            <a:r>
+              <a:rPr lang="en-GB" dirty="0" err="1"/>
+              <a:t>GroupWorkspaces</a:t>
+            </a:r>
+            <a:endParaRPr lang="en-GB" dirty="0"/>
+          </a:p>
+          <a:p>
+            <a:pPr lvl="1"/>
+            <a:r>
+              <a:rPr lang="en-GB" dirty="0" err="1"/>
+              <a:t>Inst</a:t>
+            </a:r>
+            <a:r>
+              <a:rPr lang="en-GB" dirty="0"/>
+              <a:t> view: Side By side Bank View, Draw on groups, usability improvements</a:t>
+            </a:r>
+          </a:p>
+          <a:p>
+            <a:pPr lvl="1"/>
+            <a:r>
+              <a:rPr lang="en-GB" dirty="0"/>
+              <a:t>Dropping support for Snow leopard (Mac</a:t>
+            </a:r>
+            <a:r>
+              <a:rPr lang="en-GB" dirty="0" smtClean="0"/>
+              <a:t>)</a:t>
+            </a:r>
+          </a:p>
+          <a:p>
+            <a:pPr lvl="1"/>
+            <a:r>
+              <a:rPr lang="en-GB" dirty="0"/>
+              <a:t>Generic multiple </a:t>
+            </a:r>
+            <a:r>
+              <a:rPr lang="en-GB" dirty="0" smtClean="0"/>
+              <a:t>scattering + multi phonon </a:t>
+            </a:r>
+            <a:r>
+              <a:rPr lang="en-GB" dirty="0"/>
+              <a:t>corrections</a:t>
+            </a:r>
+          </a:p>
+          <a:p>
+            <a:pPr lvl="1"/>
+            <a:r>
+              <a:rPr lang="en-GB" dirty="0"/>
+              <a:t>Generic Sample shape aware absorption corrections</a:t>
+            </a:r>
+          </a:p>
+          <a:p>
+            <a:pPr lvl="1"/>
+            <a:r>
+              <a:rPr lang="en-GB" dirty="0"/>
+              <a:t>Publication of Processed Data</a:t>
+            </a:r>
+          </a:p>
+          <a:p>
+            <a:pPr lvl="1"/>
+            <a:r>
+              <a:rPr lang="en-GB" dirty="0"/>
+              <a:t>Live event data reduction (ISIS)</a:t>
+            </a:r>
+          </a:p>
+          <a:p>
+            <a:pPr lvl="1"/>
+            <a:endParaRPr lang="en-GB" dirty="0"/>
+          </a:p>
+        </p:txBody>
+      </p:sp>
+    </p:spTree>
+    <p:extLst>
+      <p:ext uri="{BB962C8B-B14F-4D97-AF65-F5344CB8AC3E}">
+        <p14:creationId xmlns:p14="http://schemas.microsoft.com/office/powerpoint/2010/main" val="805690959"/>
+      </p:ext>
+    </p:extLst>
+  </p:cSld>
+  <p:clrMapOvr>
+    <a:masterClrMapping/>
+  </p:clrMapOvr>
+</p:sld>
+</file>
+
+<file path=ppt/slides/slide13.xml><?xml version="1.0" encoding="utf-8"?>
+<p:sld xmlns:a="http://schemas.openxmlformats.org/drawingml/2006/main" xmlns:r="http://schemas.openxmlformats.org/officeDocument/2006/relationships" xmlns:p="http://schemas.openxmlformats.org/presentationml/2006/main">
+  <p:cSld>
+    <p:spTree>
+      <p:nvGrpSpPr>
+        <p:cNvPr id="1" name=""/>
+        <p:cNvGrpSpPr/>
+        <p:nvPr/>
+      </p:nvGrpSpPr>
+      <p:grpSpPr>
+        <a:xfrm>
+          <a:off x="0" y="0"/>
+          <a:ext cx="0" cy="0"/>
+          <a:chOff x="0" y="0"/>
+          <a:chExt cx="0" cy="0"/>
+        </a:xfrm>
+      </p:grpSpPr>
+      <p:sp>
+        <p:nvSpPr>
+          <p:cNvPr id="2" name="Title 1"/>
+          <p:cNvSpPr>
+            <a:spLocks noGrp="1"/>
+          </p:cNvSpPr>
+          <p:nvPr>
+            <p:ph type="title"/>
+          </p:nvPr>
+        </p:nvSpPr>
+        <p:spPr/>
+        <p:txBody>
+          <a:bodyPr/>
+          <a:lstStyle/>
+          <a:p>
+            <a:r>
+              <a:rPr lang="en-GB" dirty="0" smtClean="0"/>
+              <a:t>Medium – Next Year</a:t>
+            </a:r>
+            <a:endParaRPr lang="en-GB" dirty="0"/>
+          </a:p>
+        </p:txBody>
+      </p:sp>
+      <p:sp>
+        <p:nvSpPr>
+          <p:cNvPr id="3" name="Content Placeholder 2"/>
+          <p:cNvSpPr>
+            <a:spLocks noGrp="1"/>
+          </p:cNvSpPr>
+          <p:nvPr>
+            <p:ph idx="1"/>
+          </p:nvPr>
+        </p:nvSpPr>
+        <p:spPr/>
+        <p:txBody>
+          <a:bodyPr/>
+          <a:lstStyle/>
+          <a:p>
+            <a:r>
+              <a:rPr lang="en-GB" dirty="0" smtClean="0"/>
+              <a:t>Diffraction</a:t>
+            </a:r>
+          </a:p>
+          <a:p>
+            <a:pPr lvl="1"/>
+            <a:r>
+              <a:rPr lang="en-GB" dirty="0"/>
+              <a:t>Absorption - Sample Name -&gt; MCNPX cross section data &amp; formula -&gt; cross section</a:t>
+            </a:r>
+          </a:p>
+          <a:p>
+            <a:pPr lvl="1"/>
+            <a:r>
+              <a:rPr lang="en-GB" dirty="0"/>
+              <a:t>single crystal  - Magnetic and Multi grain</a:t>
+            </a:r>
+          </a:p>
+          <a:p>
+            <a:pPr lvl="1"/>
+            <a:r>
+              <a:rPr lang="en-GB" dirty="0" err="1"/>
+              <a:t>LeBail</a:t>
+            </a:r>
+            <a:r>
+              <a:rPr lang="en-GB" dirty="0"/>
+              <a:t> Fitting</a:t>
+            </a:r>
+          </a:p>
+          <a:p>
+            <a:pPr lvl="1"/>
+            <a:r>
+              <a:rPr lang="en-GB" dirty="0"/>
+              <a:t>Powder Diffraction Reduction GUI</a:t>
+            </a:r>
+          </a:p>
+          <a:p>
+            <a:r>
+              <a:rPr lang="en-GB" dirty="0" smtClean="0"/>
+              <a:t>Direct Inelastic</a:t>
+            </a:r>
+          </a:p>
+          <a:p>
+            <a:pPr lvl="1"/>
+            <a:r>
+              <a:rPr lang="en-GB" dirty="0"/>
+              <a:t>MD Quantification improvements</a:t>
+            </a:r>
+          </a:p>
+          <a:p>
+            <a:pPr lvl="1"/>
+            <a:r>
+              <a:rPr lang="en-GB" dirty="0"/>
+              <a:t>MD usability - productizing </a:t>
+            </a:r>
+            <a:r>
+              <a:rPr lang="en-GB" dirty="0" err="1"/>
+              <a:t>Vates</a:t>
+            </a:r>
+            <a:endParaRPr lang="en-GB" dirty="0"/>
+          </a:p>
+          <a:p>
+            <a:r>
+              <a:rPr lang="en-GB" dirty="0" smtClean="0"/>
+              <a:t>Indirect Inelastic</a:t>
+            </a:r>
+          </a:p>
+          <a:p>
+            <a:pPr lvl="1"/>
+            <a:r>
+              <a:rPr lang="en-GB" dirty="0"/>
+              <a:t>Validated support for VESUVIO</a:t>
+            </a:r>
+          </a:p>
+          <a:p>
+            <a:pPr lvl="1"/>
+            <a:r>
+              <a:rPr lang="en-GB" dirty="0"/>
+              <a:t>Indirect reduction GUI</a:t>
+            </a:r>
+          </a:p>
+          <a:p>
+            <a:pPr lvl="1"/>
+            <a:r>
+              <a:rPr lang="en-GB" dirty="0"/>
+              <a:t>Indirect Analysis - GUI</a:t>
+            </a:r>
+          </a:p>
+          <a:p>
+            <a:pPr lvl="1"/>
+            <a:endParaRPr lang="en-GB" dirty="0"/>
+          </a:p>
+          <a:p>
+            <a:endParaRPr lang="en-GB" dirty="0"/>
+          </a:p>
+        </p:txBody>
+      </p:sp>
+    </p:spTree>
+    <p:extLst>
+      <p:ext uri="{BB962C8B-B14F-4D97-AF65-F5344CB8AC3E}">
+        <p14:creationId xmlns:p14="http://schemas.microsoft.com/office/powerpoint/2010/main" val="1583026659"/>
+      </p:ext>
+    </p:extLst>
+  </p:cSld>
+  <p:clrMapOvr>
+    <a:masterClrMapping/>
+  </p:clrMapOvr>
+</p:sld>
+</file>
+
+<file path=ppt/slides/slide14.xml><?xml version="1.0" encoding="utf-8"?>
+<p:sld xmlns:a="http://schemas.openxmlformats.org/drawingml/2006/main" xmlns:r="http://schemas.openxmlformats.org/officeDocument/2006/relationships" xmlns:p="http://schemas.openxmlformats.org/presentationml/2006/main">
+  <p:cSld>
+    <p:spTree>
+      <p:nvGrpSpPr>
+        <p:cNvPr id="1" name=""/>
+        <p:cNvGrpSpPr/>
+        <p:nvPr/>
+      </p:nvGrpSpPr>
+      <p:grpSpPr>
+        <a:xfrm>
+          <a:off x="0" y="0"/>
+          <a:ext cx="0" cy="0"/>
+          <a:chOff x="0" y="0"/>
+          <a:chExt cx="0" cy="0"/>
+        </a:xfrm>
+      </p:grpSpPr>
+      <p:sp>
+        <p:nvSpPr>
+          <p:cNvPr id="2" name="Title 1"/>
+          <p:cNvSpPr>
+            <a:spLocks noGrp="1"/>
+          </p:cNvSpPr>
+          <p:nvPr>
+            <p:ph type="title"/>
+          </p:nvPr>
+        </p:nvSpPr>
+        <p:spPr/>
+        <p:txBody>
+          <a:bodyPr/>
+          <a:lstStyle/>
+          <a:p>
+            <a:r>
+              <a:rPr lang="en-GB" dirty="0" smtClean="0"/>
+              <a:t>Long Term</a:t>
+            </a:r>
+            <a:endParaRPr lang="en-GB" dirty="0"/>
+          </a:p>
+        </p:txBody>
+      </p:sp>
+      <p:sp>
+        <p:nvSpPr>
+          <p:cNvPr id="3" name="Content Placeholder 2"/>
+          <p:cNvSpPr>
+            <a:spLocks noGrp="1"/>
+          </p:cNvSpPr>
+          <p:nvPr>
+            <p:ph idx="1"/>
+          </p:nvPr>
+        </p:nvSpPr>
+        <p:spPr/>
+        <p:txBody>
+          <a:bodyPr/>
+          <a:lstStyle/>
+          <a:p>
+            <a:r>
+              <a:rPr lang="en-GB" dirty="0" smtClean="0"/>
+              <a:t>General</a:t>
+            </a:r>
+          </a:p>
+          <a:p>
+            <a:pPr lvl="1"/>
+            <a:r>
+              <a:rPr lang="en-GB" dirty="0" smtClean="0"/>
+              <a:t>“</a:t>
+            </a:r>
+            <a:r>
+              <a:rPr lang="en-GB" dirty="0"/>
+              <a:t>Intelligent” run control</a:t>
+            </a:r>
+          </a:p>
+          <a:p>
+            <a:pPr lvl="1"/>
+            <a:r>
+              <a:rPr lang="en-GB" dirty="0"/>
+              <a:t>Sandals and Nimrod support</a:t>
+            </a:r>
+          </a:p>
+          <a:p>
+            <a:pPr lvl="1"/>
+            <a:r>
+              <a:rPr lang="en-GB" dirty="0" err="1"/>
+              <a:t>McStas</a:t>
+            </a:r>
+            <a:r>
+              <a:rPr lang="en-GB" dirty="0"/>
+              <a:t> </a:t>
+            </a:r>
+            <a:r>
+              <a:rPr lang="en-GB" dirty="0" err="1"/>
+              <a:t>Intergration</a:t>
+            </a:r>
+            <a:endParaRPr lang="en-GB" dirty="0"/>
+          </a:p>
+          <a:p>
+            <a:pPr lvl="1"/>
+            <a:r>
+              <a:rPr lang="en-GB" dirty="0"/>
+              <a:t>"Publication quality" 1 &amp; 2D  visualization - graph in graph, drawing and annotations</a:t>
+            </a:r>
+          </a:p>
+          <a:p>
+            <a:pPr lvl="1"/>
+            <a:r>
+              <a:rPr lang="en-GB" dirty="0"/>
+              <a:t>MD Quantification integration - GULP </a:t>
+            </a:r>
+            <a:r>
+              <a:rPr lang="en-GB" dirty="0" err="1"/>
+              <a:t>etc</a:t>
+            </a:r>
+            <a:endParaRPr lang="en-GB" dirty="0"/>
+          </a:p>
+          <a:p>
+            <a:pPr lvl="1"/>
+            <a:r>
+              <a:rPr lang="en-GB" dirty="0"/>
+              <a:t>Client Server Mantid. Rich GUI with remote compute resource support</a:t>
+            </a:r>
+          </a:p>
+          <a:p>
+            <a:pPr lvl="1"/>
+            <a:r>
+              <a:rPr lang="en-GB" dirty="0" err="1"/>
+              <a:t>MantidCloud</a:t>
+            </a:r>
+            <a:r>
+              <a:rPr lang="en-GB" dirty="0"/>
+              <a:t> - Web interface for common data analyses</a:t>
+            </a:r>
+          </a:p>
+          <a:p>
+            <a:r>
+              <a:rPr lang="en-GB" dirty="0" smtClean="0"/>
+              <a:t>Indirect Analysis</a:t>
+            </a:r>
+          </a:p>
+          <a:p>
+            <a:pPr lvl="1"/>
+            <a:r>
+              <a:rPr lang="en-GB" dirty="0"/>
+              <a:t>Indirect Analysis </a:t>
+            </a:r>
+            <a:r>
+              <a:rPr lang="en-GB" dirty="0" smtClean="0"/>
+              <a:t>– </a:t>
+            </a:r>
+            <a:r>
+              <a:rPr lang="en-GB" dirty="0" err="1" smtClean="0"/>
+              <a:t>Quasilines</a:t>
+            </a:r>
+            <a:r>
+              <a:rPr lang="en-GB" dirty="0" smtClean="0"/>
+              <a:t> in Python or C++</a:t>
+            </a:r>
+            <a:endParaRPr lang="en-GB" dirty="0"/>
+          </a:p>
+          <a:p>
+            <a:pPr lvl="1"/>
+            <a:endParaRPr lang="en-GB" dirty="0"/>
+          </a:p>
+        </p:txBody>
+      </p:sp>
+    </p:spTree>
+    <p:extLst>
+      <p:ext uri="{BB962C8B-B14F-4D97-AF65-F5344CB8AC3E}">
+        <p14:creationId xmlns:p14="http://schemas.microsoft.com/office/powerpoint/2010/main" val="3653001992"/>
+      </p:ext>
+    </p:extLst>
+  </p:cSld>
+  <p:clrMapOvr>
+    <a:masterClrMapping/>
+  </p:clrMapOvr>
 </p:sld>
 </file>
 
@@ -5406,6 +6744,209 @@
     <p:extLst>
       <p:ext uri="{BB962C8B-B14F-4D97-AF65-F5344CB8AC3E}">
         <p14:creationId xmlns:p14="http://schemas.microsoft.com/office/powerpoint/2010/main" val="2454573189"/>
+      </p:ext>
+    </p:extLst>
+  </p:cSld>
+  <p:clrMapOvr>
+    <a:masterClrMapping/>
+  </p:clrMapOvr>
+</p:sld>
+</file>
+
+<file path=ppt/slides/slide9.xml><?xml version="1.0" encoding="utf-8"?>
+<p:sld xmlns:a="http://schemas.openxmlformats.org/drawingml/2006/main" xmlns:r="http://schemas.openxmlformats.org/officeDocument/2006/relationships" xmlns:p="http://schemas.openxmlformats.org/presentationml/2006/main">
+  <p:cSld>
+    <p:spTree>
+      <p:nvGrpSpPr>
+        <p:cNvPr id="1" name=""/>
+        <p:cNvGrpSpPr/>
+        <p:nvPr/>
+      </p:nvGrpSpPr>
+      <p:grpSpPr>
+        <a:xfrm>
+          <a:off x="0" y="0"/>
+          <a:ext cx="0" cy="0"/>
+          <a:chOff x="0" y="0"/>
+          <a:chExt cx="0" cy="0"/>
+        </a:xfrm>
+      </p:grpSpPr>
+      <p:sp>
+        <p:nvSpPr>
+          <p:cNvPr id="2" name="Title 1"/>
+          <p:cNvSpPr>
+            <a:spLocks noGrp="1"/>
+          </p:cNvSpPr>
+          <p:nvPr>
+            <p:ph type="title"/>
+          </p:nvPr>
+        </p:nvSpPr>
+        <p:spPr/>
+        <p:txBody>
+          <a:bodyPr/>
+          <a:lstStyle/>
+          <a:p>
+            <a:r>
+              <a:rPr lang="en-GB" dirty="0" smtClean="0"/>
+              <a:t>Future Planned Release</a:t>
+            </a:r>
+            <a:endParaRPr lang="en-GB" dirty="0"/>
+          </a:p>
+        </p:txBody>
+      </p:sp>
+      <p:sp>
+        <p:nvSpPr>
+          <p:cNvPr id="3" name="Content Placeholder 2"/>
+          <p:cNvSpPr>
+            <a:spLocks noGrp="1"/>
+          </p:cNvSpPr>
+          <p:nvPr>
+            <p:ph idx="1"/>
+          </p:nvPr>
+        </p:nvSpPr>
+        <p:spPr/>
+        <p:txBody>
+          <a:bodyPr/>
+          <a:lstStyle/>
+          <a:p>
+            <a:r>
+              <a:rPr lang="en-GB" dirty="0" smtClean="0"/>
+              <a:t>Dates have been planned for the rest of the year</a:t>
+            </a:r>
+          </a:p>
+          <a:p>
+            <a:pPr lvl="1"/>
+            <a:r>
+              <a:rPr lang="en-GB" dirty="0" smtClean="0"/>
+              <a:t>Friday 3</a:t>
+            </a:r>
+            <a:r>
+              <a:rPr lang="en-GB" baseline="30000" dirty="0" smtClean="0"/>
+              <a:t>rd</a:t>
+            </a:r>
+            <a:r>
+              <a:rPr lang="en-GB" dirty="0" smtClean="0"/>
+              <a:t> May</a:t>
+            </a:r>
+            <a:endParaRPr lang="en-GB" dirty="0"/>
+          </a:p>
+          <a:p>
+            <a:pPr lvl="1"/>
+            <a:r>
+              <a:rPr lang="en-GB" dirty="0" smtClean="0"/>
+              <a:t>Friday 2</a:t>
+            </a:r>
+            <a:r>
+              <a:rPr lang="en-GB" baseline="30000" dirty="0" smtClean="0"/>
+              <a:t>nd</a:t>
+            </a:r>
+            <a:r>
+              <a:rPr lang="en-GB" dirty="0" smtClean="0"/>
+              <a:t> August</a:t>
+            </a:r>
+          </a:p>
+          <a:p>
+            <a:pPr lvl="1"/>
+            <a:r>
+              <a:rPr lang="en-GB" dirty="0" smtClean="0"/>
+              <a:t>Friday 1</a:t>
+            </a:r>
+            <a:r>
+              <a:rPr lang="en-GB" baseline="30000" dirty="0" smtClean="0"/>
+              <a:t>st</a:t>
+            </a:r>
+            <a:r>
+              <a:rPr lang="en-GB" dirty="0" smtClean="0"/>
+              <a:t> November</a:t>
+            </a:r>
+            <a:endParaRPr lang="en-GB" dirty="0"/>
+          </a:p>
+          <a:p>
+            <a:pPr lvl="1"/>
+            <a:endParaRPr lang="en-GB" dirty="0" smtClean="0"/>
+          </a:p>
+          <a:p>
+            <a:pPr lvl="1"/>
+            <a:endParaRPr lang="en-GB" dirty="0"/>
+          </a:p>
+          <a:p>
+            <a:pPr lvl="1"/>
+            <a:endParaRPr lang="en-GB" dirty="0" smtClean="0"/>
+          </a:p>
+          <a:p>
+            <a:pPr lvl="1"/>
+            <a:r>
+              <a:rPr lang="en-GB" dirty="0"/>
+              <a:t>http://trac.mantidproject.org/mantid/roadmap</a:t>
+            </a:r>
+          </a:p>
+        </p:txBody>
+      </p:sp>
+      <p:pic>
+        <p:nvPicPr>
+          <p:cNvPr id="1026" name="Picture 2"/>
+          <p:cNvPicPr>
+            <a:picLocks noChangeAspect="1" noChangeArrowheads="1"/>
+          </p:cNvPicPr>
+          <p:nvPr/>
+        </p:nvPicPr>
+        <p:blipFill rotWithShape="1">
+          <a:blip r:embed="rId3">
+            <a:extLst>
+              <a:ext uri="{28A0092B-C50C-407E-A947-70E740481C1C}">
+                <a14:useLocalDpi xmlns:a14="http://schemas.microsoft.com/office/drawing/2010/main" val="0"/>
+              </a:ext>
+            </a:extLst>
+          </a:blip>
+          <a:srcRect t="5308" b="11854"/>
+          <a:stretch/>
+        </p:blipFill>
+        <p:spPr bwMode="auto">
+          <a:xfrm>
+            <a:off x="5080001" y="4278604"/>
+            <a:ext cx="4000744" cy="2579396"/>
+          </a:xfrm>
+          <a:prstGeom prst="rect">
+            <a:avLst/>
+          </a:prstGeom>
+          <a:noFill/>
+          <a:ln>
+            <a:noFill/>
+          </a:ln>
+          <a:effectLst/>
+          <a:extLst>
+            <a:ext uri="{909E8E84-426E-40DD-AFC4-6F175D3DCCD1}">
+              <a14:hiddenFill xmlns:a14="http://schemas.microsoft.com/office/drawing/2010/main">
+                <a:solidFill>
+                  <a:schemeClr val="accent1"/>
+                </a:solidFill>
+              </a14:hiddenFill>
+            </a:ext>
+            <a:ext uri="{91240B29-F687-4F45-9708-019B960494DF}">
+              <a14:hiddenLine xmlns:a14="http://schemas.microsoft.com/office/drawing/2010/main" w="9525">
+                <a:solidFill>
+                  <a:schemeClr val="tx1"/>
+                </a:solidFill>
+                <a:miter lim="800000"/>
+                <a:headEnd/>
+                <a:tailEnd/>
+              </a14:hiddenLine>
+            </a:ext>
+            <a:ext uri="{AF507438-7753-43E0-B8FC-AC1667EBCBE1}">
+              <a14:hiddenEffects xmlns:a14="http://schemas.microsoft.com/office/drawing/2010/main">
+                <a:effectLst>
+                  <a:outerShdw dist="35921" dir="2700000" algn="ctr" rotWithShape="0">
+                    <a:schemeClr val="bg2"/>
+                  </a:outerShdw>
+                </a:effectLst>
+              </a14:hiddenEffects>
+            </a:ext>
+          </a:extLst>
+        </p:spPr>
+      </p:pic>
+    </p:spTree>
+    <p:extLst>
+      <p:ext uri="{BB962C8B-B14F-4D97-AF65-F5344CB8AC3E}">
+        <p14:creationId xmlns:p14="http://schemas.microsoft.com/office/powerpoint/2010/main" val="4239699906"/>
       </p:ext>
     </p:extLst>
   </p:cSld>

--- a/Presentations/Scientific Steering Committee/Mantid Scientific Steering committee Feb 2013.pptx
+++ b/Presentations/Scientific Steering Committee/Mantid Scientific Steering committee Feb 2013.pptx
@@ -205,7 +205,7 @@
           <a:p>
             <a:fld id="{E76CBB94-C2C7-444D-91F7-180962566C3A}" type="datetimeFigureOut">
               <a:rPr lang="en-US" smtClean="0"/>
-              <a:t>2/27/2013</a:t>
+              <a:t>2/27/13</a:t>
             </a:fld>
             <a:endParaRPr lang="en-US"/>
           </a:p>
@@ -1698,7 +1698,7 @@
           </a:prstGeom>
           <a:noFill/>
           <a:extLst>
-            <a:ext uri="{909E8E84-426E-40DD-AFC4-6F175D3DCCD1}">
+            <a:ext uri="{909E8E84-426E-40dd-AFC4-6F175D3DCCD1}">
               <a14:hiddenFill xmlns:a14="http://schemas.microsoft.com/office/drawing/2010/main">
                 <a:solidFill>
                   <a:srgbClr val="FFFFFF"/>
@@ -1840,7 +1840,7 @@
           </a:prstGeom>
           <a:noFill/>
           <a:extLst>
-            <a:ext uri="{909E8E84-426E-40DD-AFC4-6F175D3DCCD1}">
+            <a:ext uri="{909E8E84-426E-40dd-AFC4-6F175D3DCCD1}">
               <a14:hiddenFill xmlns:a14="http://schemas.microsoft.com/office/drawing/2010/main">
                 <a:solidFill>
                   <a:srgbClr val="FFFFFF"/>
@@ -1881,7 +1881,7 @@
           </a:prstGeom>
           <a:noFill/>
           <a:extLst>
-            <a:ext uri="{909E8E84-426E-40DD-AFC4-6F175D3DCCD1}">
+            <a:ext uri="{909E8E84-426E-40dd-AFC4-6F175D3DCCD1}">
               <a14:hiddenFill xmlns:a14="http://schemas.microsoft.com/office/drawing/2010/main">
                 <a:solidFill>
                   <a:srgbClr val="FFFFFF"/>
@@ -1922,7 +1922,7 @@
           </a:prstGeom>
           <a:noFill/>
           <a:extLst>
-            <a:ext uri="{909E8E84-426E-40DD-AFC4-6F175D3DCCD1}">
+            <a:ext uri="{909E8E84-426E-40dd-AFC4-6F175D3DCCD1}">
               <a14:hiddenFill xmlns:a14="http://schemas.microsoft.com/office/drawing/2010/main">
                 <a:solidFill>
                   <a:srgbClr val="FFFFFF"/>
@@ -2067,7 +2067,7 @@
           <a:p>
             <a:fld id="{3A17BAC7-D730-8141-8602-B60E76216264}" type="datetimeFigureOut">
               <a:rPr lang="en-US" smtClean="0"/>
-              <a:t>2/27/2013</a:t>
+              <a:t>2/27/13</a:t>
             </a:fld>
             <a:endParaRPr lang="en-US"/>
           </a:p>
@@ -2218,7 +2218,7 @@
           <a:p>
             <a:fld id="{3A17BAC7-D730-8141-8602-B60E76216264}" type="datetimeFigureOut">
               <a:rPr lang="en-US" smtClean="0"/>
-              <a:t>2/27/2013</a:t>
+              <a:t>2/27/13</a:t>
             </a:fld>
             <a:endParaRPr lang="en-US"/>
           </a:p>
@@ -2359,7 +2359,7 @@
           <a:p>
             <a:fld id="{3A17BAC7-D730-8141-8602-B60E76216264}" type="datetimeFigureOut">
               <a:rPr lang="en-US" smtClean="0"/>
-              <a:t>2/27/2013</a:t>
+              <a:t>2/27/13</a:t>
             </a:fld>
             <a:endParaRPr lang="en-US"/>
           </a:p>
@@ -2522,7 +2522,7 @@
           <a:p>
             <a:fld id="{3A17BAC7-D730-8141-8602-B60E76216264}" type="datetimeFigureOut">
               <a:rPr lang="en-US" smtClean="0"/>
-              <a:t>2/27/2013</a:t>
+              <a:t>2/27/13</a:t>
             </a:fld>
             <a:endParaRPr lang="en-US"/>
           </a:p>
@@ -2781,7 +2781,7 @@
           <a:p>
             <a:fld id="{3A17BAC7-D730-8141-8602-B60E76216264}" type="datetimeFigureOut">
               <a:rPr lang="en-US" smtClean="0"/>
-              <a:t>2/27/2013</a:t>
+              <a:t>2/27/13</a:t>
             </a:fld>
             <a:endParaRPr lang="en-US"/>
           </a:p>
@@ -3179,7 +3179,7 @@
           <a:p>
             <a:fld id="{3A17BAC7-D730-8141-8602-B60E76216264}" type="datetimeFigureOut">
               <a:rPr lang="en-US" smtClean="0"/>
-              <a:t>2/27/2013</a:t>
+              <a:t>2/27/13</a:t>
             </a:fld>
             <a:endParaRPr lang="en-US"/>
           </a:p>
@@ -3268,7 +3268,7 @@
           <a:p>
             <a:fld id="{3A17BAC7-D730-8141-8602-B60E76216264}" type="datetimeFigureOut">
               <a:rPr lang="en-US" smtClean="0"/>
-              <a:t>2/27/2013</a:t>
+              <a:t>2/27/13</a:t>
             </a:fld>
             <a:endParaRPr lang="en-US"/>
           </a:p>
@@ -3334,7 +3334,7 @@
           <a:p>
             <a:fld id="{3A17BAC7-D730-8141-8602-B60E76216264}" type="datetimeFigureOut">
               <a:rPr lang="en-US" smtClean="0"/>
-              <a:t>2/27/2013</a:t>
+              <a:t>2/27/13</a:t>
             </a:fld>
             <a:endParaRPr lang="en-US"/>
           </a:p>
@@ -3582,7 +3582,7 @@
           <a:p>
             <a:fld id="{3A17BAC7-D730-8141-8602-B60E76216264}" type="datetimeFigureOut">
               <a:rPr lang="en-US" smtClean="0"/>
-              <a:t>2/27/2013</a:t>
+              <a:t>2/27/13</a:t>
             </a:fld>
             <a:endParaRPr lang="en-US"/>
           </a:p>
@@ -3811,7 +3811,7 @@
           <a:p>
             <a:fld id="{3A17BAC7-D730-8141-8602-B60E76216264}" type="datetimeFigureOut">
               <a:rPr lang="en-US" smtClean="0"/>
-              <a:t>2/27/2013</a:t>
+              <a:t>2/27/13</a:t>
             </a:fld>
             <a:endParaRPr lang="en-US"/>
           </a:p>
@@ -3878,14 +3878,14 @@
             <a:noFill/>
           </a:ln>
           <a:extLst>
-            <a:ext uri="{909E8E84-426E-40DD-AFC4-6F175D3DCCD1}">
+            <a:ext uri="{909E8E84-426E-40dd-AFC4-6F175D3DCCD1}">
               <a14:hiddenFill xmlns:a14="http://schemas.microsoft.com/office/drawing/2010/main">
                 <a:solidFill>
                   <a:srgbClr val="FFFFFF"/>
                 </a:solidFill>
               </a14:hiddenFill>
             </a:ext>
-            <a:ext uri="{91240B29-F687-4F45-9708-019B960494DF}">
+            <a:ext uri="{91240B29-F687-4f45-9708-019B960494DF}">
               <a14:hiddenLine xmlns:a14="http://schemas.microsoft.com/office/drawing/2010/main" w="9525">
                 <a:solidFill>
                   <a:srgbClr val="000000"/>
@@ -3936,14 +3936,14 @@
             <a:noFill/>
           </a:ln>
           <a:extLst>
-            <a:ext uri="{909E8E84-426E-40DD-AFC4-6F175D3DCCD1}">
+            <a:ext uri="{909E8E84-426E-40dd-AFC4-6F175D3DCCD1}">
               <a14:hiddenFill xmlns:a14="http://schemas.microsoft.com/office/drawing/2010/main">
                 <a:solidFill>
                   <a:srgbClr val="FFFFFF"/>
                 </a:solidFill>
               </a14:hiddenFill>
             </a:ext>
-            <a:ext uri="{91240B29-F687-4F45-9708-019B960494DF}">
+            <a:ext uri="{91240B29-F687-4f45-9708-019B960494DF}">
               <a14:hiddenLine xmlns:a14="http://schemas.microsoft.com/office/drawing/2010/main" w="9525">
                 <a:solidFill>
                   <a:srgbClr val="000000"/>
@@ -4030,7 +4030,7 @@
           </a:prstGeom>
           <a:noFill/>
           <a:extLst>
-            <a:ext uri="{909E8E84-426E-40DD-AFC4-6F175D3DCCD1}">
+            <a:ext uri="{909E8E84-426E-40dd-AFC4-6F175D3DCCD1}">
               <a14:hiddenFill xmlns:a14="http://schemas.microsoft.com/office/drawing/2010/main">
                 <a:solidFill>
                   <a:srgbClr val="FFFFFF"/>
@@ -4071,7 +4071,7 @@
           </a:prstGeom>
           <a:noFill/>
           <a:extLst>
-            <a:ext uri="{909E8E84-426E-40DD-AFC4-6F175D3DCCD1}">
+            <a:ext uri="{909E8E84-426E-40dd-AFC4-6F175D3DCCD1}">
               <a14:hiddenFill xmlns:a14="http://schemas.microsoft.com/office/drawing/2010/main">
                 <a:solidFill>
                   <a:srgbClr val="FFFFFF"/>
@@ -4626,7 +4626,7 @@
   <p:timing>
     <p:tnLst>
       <p:par>
-        <p:cTn id="1" dur="indefinite" restart="never" nodeType="tmRoot"/>
+        <p:cTn xmlns:p14="http://schemas.microsoft.com/office/powerpoint/2010/main" id="1" dur="indefinite" restart="never" nodeType="tmRoot"/>
       </p:par>
     </p:tnLst>
   </p:timing>
@@ -4866,17 +4866,28 @@
               <a:t>, Guides </a:t>
             </a:r>
             <a:r>
-              <a:rPr lang="en-GB" dirty="0" err="1"/>
-              <a:t>etc</a:t>
+              <a:rPr lang="en-GB" dirty="0" smtClean="0"/>
+              <a:t>etc.. </a:t>
             </a:r>
             <a:r>
               <a:rPr lang="en-GB" dirty="0"/>
-              <a:t> in instrument </a:t>
+              <a:t>in instrument </a:t>
             </a:r>
             <a:r>
               <a:rPr lang="en-GB" dirty="0" smtClean="0"/>
               <a:t>definitions</a:t>
             </a:r>
+          </a:p>
+          <a:p>
+            <a:pPr lvl="1"/>
+            <a:r>
+              <a:rPr lang="en-GB" dirty="0"/>
+              <a:t>VATES GUI - axis labelling, non orthogonal </a:t>
+            </a:r>
+            <a:r>
+              <a:rPr lang="en-GB" dirty="0" smtClean="0"/>
+              <a:t>axes</a:t>
+            </a:r>
             <a:endParaRPr lang="en-GB" dirty="0"/>
           </a:p>
           <a:p>
@@ -4897,28 +4908,13 @@
             </a:r>
           </a:p>
           <a:p>
-            <a:pPr lvl="1"/>
             <a:r>
               <a:rPr lang="en-GB" dirty="0" smtClean="0"/>
-              <a:t>VATES GUI - </a:t>
-            </a:r>
-            <a:r>
-              <a:rPr lang="en-GB" dirty="0"/>
-              <a:t>axis labelling, non </a:t>
+              <a:t>Direct </a:t>
             </a:r>
             <a:r>
               <a:rPr lang="en-GB" dirty="0" smtClean="0"/>
-              <a:t>orthogonal </a:t>
-            </a:r>
-            <a:r>
-              <a:rPr lang="en-GB" dirty="0"/>
-              <a:t>axes</a:t>
-            </a:r>
-          </a:p>
-          <a:p>
-            <a:r>
-              <a:rPr lang="en-GB" dirty="0" smtClean="0"/>
-              <a:t>Direct Inelastic</a:t>
+              <a:t>Inelastic</a:t>
             </a:r>
           </a:p>
           <a:p>
@@ -5545,7 +5541,7 @@
   <p:timing>
     <p:tnLst>
       <p:par>
-        <p:cTn id="1" dur="indefinite" restart="never" nodeType="tmRoot"/>
+        <p:cTn xmlns:p14="http://schemas.microsoft.com/office/powerpoint/2010/main" id="1" dur="indefinite" restart="never" nodeType="tmRoot"/>
       </p:par>
     </p:tnLst>
   </p:timing>
@@ -5637,7 +5633,7 @@
   <p:timing>
     <p:tnLst>
       <p:par>
-        <p:cTn id="1" dur="indefinite" restart="never" nodeType="tmRoot"/>
+        <p:cTn xmlns:p14="http://schemas.microsoft.com/office/powerpoint/2010/main" id="1" dur="indefinite" restart="never" nodeType="tmRoot"/>
       </p:par>
     </p:tnLst>
   </p:timing>
@@ -5720,7 +5716,7 @@
   <p:timing>
     <p:tnLst>
       <p:par>
-        <p:cTn id="1" dur="indefinite" restart="never" nodeType="tmRoot"/>
+        <p:cTn xmlns:p14="http://schemas.microsoft.com/office/powerpoint/2010/main" id="1" dur="indefinite" restart="never" nodeType="tmRoot"/>
       </p:par>
     </p:tnLst>
   </p:timing>
@@ -6914,14 +6910,14 @@
           </a:ln>
           <a:effectLst/>
           <a:extLst>
-            <a:ext uri="{909E8E84-426E-40DD-AFC4-6F175D3DCCD1}">
+            <a:ext uri="{909E8E84-426E-40dd-AFC4-6F175D3DCCD1}">
               <a14:hiddenFill xmlns:a14="http://schemas.microsoft.com/office/drawing/2010/main">
                 <a:solidFill>
                   <a:schemeClr val="accent1"/>
                 </a:solidFill>
               </a14:hiddenFill>
             </a:ext>
-            <a:ext uri="{91240B29-F687-4F45-9708-019B960494DF}">
+            <a:ext uri="{91240B29-F687-4f45-9708-019B960494DF}">
               <a14:hiddenLine xmlns:a14="http://schemas.microsoft.com/office/drawing/2010/main" w="9525">
                 <a:solidFill>
                   <a:schemeClr val="tx1"/>
@@ -6931,7 +6927,7 @@
                 <a:tailEnd/>
               </a14:hiddenLine>
             </a:ext>
-            <a:ext uri="{AF507438-7753-43E0-B8FC-AC1667EBCBE1}">
+            <a:ext uri="{AF507438-7753-43e0-B8FC-AC1667EBCBE1}">
               <a14:hiddenEffects xmlns:a14="http://schemas.microsoft.com/office/drawing/2010/main">
                 <a:effectLst>
                   <a:outerShdw dist="35921" dir="2700000" algn="ctr" rotWithShape="0">
